--- a/_files/mc-lj-part2.pptx
+++ b/_files/mc-lj-part2.pptx
@@ -5,28 +5,29 @@
     <p:sldMasterId id="2147483672" r:id="rId1"/>
   </p:sldMasterIdLst>
   <p:notesMasterIdLst>
-    <p:notesMasterId r:id="rId13"/>
+    <p:notesMasterId r:id="rId14"/>
   </p:notesMasterIdLst>
   <p:handoutMasterIdLst>
-    <p:handoutMasterId r:id="rId14"/>
+    <p:handoutMasterId r:id="rId15"/>
   </p:handoutMasterIdLst>
   <p:sldIdLst>
     <p:sldId id="265" r:id="rId2"/>
     <p:sldId id="341" r:id="rId3"/>
-    <p:sldId id="335" r:id="rId4"/>
-    <p:sldId id="342" r:id="rId5"/>
-    <p:sldId id="343" r:id="rId6"/>
-    <p:sldId id="344" r:id="rId7"/>
-    <p:sldId id="349" r:id="rId8"/>
-    <p:sldId id="350" r:id="rId9"/>
-    <p:sldId id="351" r:id="rId10"/>
-    <p:sldId id="352" r:id="rId11"/>
-    <p:sldId id="348" r:id="rId12"/>
+    <p:sldId id="353" r:id="rId4"/>
+    <p:sldId id="335" r:id="rId5"/>
+    <p:sldId id="342" r:id="rId6"/>
+    <p:sldId id="343" r:id="rId7"/>
+    <p:sldId id="344" r:id="rId8"/>
+    <p:sldId id="349" r:id="rId9"/>
+    <p:sldId id="350" r:id="rId10"/>
+    <p:sldId id="351" r:id="rId11"/>
+    <p:sldId id="352" r:id="rId12"/>
+    <p:sldId id="348" r:id="rId13"/>
   </p:sldIdLst>
   <p:sldSz cx="12192000" cy="6858000"/>
   <p:notesSz cx="6858000" cy="9144000"/>
   <p:custDataLst>
-    <p:tags r:id="rId15"/>
+    <p:tags r:id="rId16"/>
   </p:custDataLst>
   <p:defaultTextStyle>
     <a:defPPr>
@@ -247,7 +248,7 @@
               <a:rPr lang="en-US" smtClean="0">
                 <a:latin typeface="Lucida Grande Regular" panose="020B0600040502020204" pitchFamily="34" charset="0"/>
               </a:rPr>
-              <a:t>8/10/21</a:t>
+              <a:t>8/3/2023</a:t>
             </a:fld>
             <a:endParaRPr lang="en-US" dirty="0">
               <a:latin typeface="Lucida Grande Regular" panose="020B0600040502020204" pitchFamily="34" charset="0"/>
@@ -426,7 +427,7 @@
             <a:fld id="{5F53F6BF-7462-9046-A2B6-90C29244BD27}" type="datetimeFigureOut">
               <a:rPr lang="en-US" smtClean="0"/>
               <a:pPr/>
-              <a:t>8/10/21</a:t>
+              <a:t>8/3/2023</a:t>
             </a:fld>
             <a:endParaRPr lang="en-US" dirty="0"/>
           </a:p>
@@ -871,7 +872,7 @@
             <a:fld id="{84B7DBC5-2A13-CA47-B9EE-6017A92B6B18}" type="slidenum">
               <a:rPr lang="en-US" smtClean="0"/>
               <a:pPr/>
-              <a:t>3</a:t>
+              <a:t>4</a:t>
             </a:fld>
             <a:endParaRPr lang="en-US" dirty="0"/>
           </a:p>
@@ -972,7 +973,7 @@
             <a:fld id="{84B7DBC5-2A13-CA47-B9EE-6017A92B6B18}" type="slidenum">
               <a:rPr lang="en-US" smtClean="0"/>
               <a:pPr/>
-              <a:t>4</a:t>
+              <a:t>5</a:t>
             </a:fld>
             <a:endParaRPr lang="en-US" dirty="0"/>
           </a:p>
@@ -1068,7 +1069,7 @@
             <a:fld id="{84B7DBC5-2A13-CA47-B9EE-6017A92B6B18}" type="slidenum">
               <a:rPr lang="en-US" smtClean="0"/>
               <a:pPr/>
-              <a:t>11</a:t>
+              <a:t>12</a:t>
             </a:fld>
             <a:endParaRPr lang="en-US" dirty="0"/>
           </a:p>
@@ -5196,6 +5197,227 @@
           <a:chExt cx="0" cy="0"/>
         </a:xfrm>
       </p:grpSpPr>
+      <p:pic>
+        <p:nvPicPr>
+          <p:cNvPr id="9" name="Picture 8" descr="A close up of a logo&#10;&#10;Description automatically generated">
+            <a:extLst>
+              <a:ext uri="{FF2B5EF4-FFF2-40B4-BE49-F238E27FC236}">
+                <a16:creationId xmlns:a16="http://schemas.microsoft.com/office/drawing/2014/main" id="{025ED95E-0E88-2A48-BB15-219E023EAE09}"/>
+              </a:ext>
+            </a:extLst>
+          </p:cNvPr>
+          <p:cNvPicPr>
+            <a:picLocks noChangeAspect="1"/>
+          </p:cNvPicPr>
+          <p:nvPr/>
+        </p:nvPicPr>
+        <p:blipFill>
+          <a:blip r:embed="rId2"/>
+          <a:stretch>
+            <a:fillRect/>
+          </a:stretch>
+        </p:blipFill>
+        <p:spPr>
+          <a:xfrm>
+            <a:off x="8318020" y="5504937"/>
+            <a:ext cx="561913" cy="584135"/>
+          </a:xfrm>
+          <a:prstGeom prst="rect">
+            <a:avLst/>
+          </a:prstGeom>
+        </p:spPr>
+      </p:pic>
+      <p:sp>
+        <p:nvSpPr>
+          <p:cNvPr id="10" name="TextBox 9">
+            <a:extLst>
+              <a:ext uri="{FF2B5EF4-FFF2-40B4-BE49-F238E27FC236}">
+                <a16:creationId xmlns:a16="http://schemas.microsoft.com/office/drawing/2014/main" id="{1DB2E445-BEBF-FD4B-BF18-CF16286CB85E}"/>
+              </a:ext>
+            </a:extLst>
+          </p:cNvPr>
+          <p:cNvSpPr txBox="1"/>
+          <p:nvPr/>
+        </p:nvSpPr>
+        <p:spPr>
+          <a:xfrm>
+            <a:off x="735107" y="1133869"/>
+            <a:ext cx="8009500" cy="646331"/>
+          </a:xfrm>
+          <a:prstGeom prst="rect">
+            <a:avLst/>
+          </a:prstGeom>
+          <a:noFill/>
+        </p:spPr>
+        <p:txBody>
+          <a:bodyPr wrap="square" rtlCol="0">
+            <a:spAutoFit/>
+          </a:bodyPr>
+          <a:lstStyle/>
+          <a:p>
+            <a:endParaRPr lang="en-US" dirty="0"/>
+          </a:p>
+          <a:p>
+            <a:pPr marL="285750" indent="-285750">
+              <a:buFont typeface="Arial" panose="020B0604020202020204" pitchFamily="34" charset="0"/>
+              <a:buChar char="•"/>
+            </a:pPr>
+            <a:endParaRPr lang="en-US" dirty="0"/>
+          </a:p>
+        </p:txBody>
+      </p:sp>
+      <p:sp>
+        <p:nvSpPr>
+          <p:cNvPr id="11" name="Title 2">
+            <a:extLst>
+              <a:ext uri="{FF2B5EF4-FFF2-40B4-BE49-F238E27FC236}">
+                <a16:creationId xmlns:a16="http://schemas.microsoft.com/office/drawing/2014/main" id="{1BE8B013-4575-4B4E-B220-46978F53751B}"/>
+              </a:ext>
+            </a:extLst>
+          </p:cNvPr>
+          <p:cNvSpPr txBox="1">
+            <a:spLocks/>
+          </p:cNvSpPr>
+          <p:nvPr/>
+        </p:nvSpPr>
+        <p:spPr>
+          <a:xfrm>
+            <a:off x="457172" y="273422"/>
+            <a:ext cx="8228763" cy="1144631"/>
+          </a:xfrm>
+          <a:prstGeom prst="rect">
+            <a:avLst/>
+          </a:prstGeom>
+        </p:spPr>
+        <p:txBody>
+          <a:bodyPr vert="horz" lIns="91440" tIns="45720" rIns="91440" bIns="45720" rtlCol="0" anchor="b">
+            <a:normAutofit fontScale="67500" lnSpcReduction="20000"/>
+          </a:bodyPr>
+          <a:lstStyle>
+            <a:lvl1pPr algn="ctr" defTabSz="457200" rtl="0" eaLnBrk="1" latinLnBrk="0" hangingPunct="1">
+              <a:spcBef>
+                <a:spcPct val="0"/>
+              </a:spcBef>
+              <a:buNone/>
+              <a:defRPr sz="6000" b="0" i="0" kern="1200">
+                <a:solidFill>
+                  <a:srgbClr val="C28220"/>
+                </a:solidFill>
+                <a:latin typeface="Lucida Grande Regular" panose="020B0600040502020204" pitchFamily="34" charset="0"/>
+                <a:ea typeface="+mj-ea"/>
+                <a:cs typeface="Lucida Grande Regular" panose="020B0600040502020204" pitchFamily="34" charset="0"/>
+              </a:defRPr>
+            </a:lvl1pPr>
+          </a:lstStyle>
+          <a:p>
+            <a:r>
+              <a:rPr lang="en-US">
+                <a:latin typeface="FreightMicro Pro Book" panose="02000603020000020004" pitchFamily="2" charset="0"/>
+              </a:rPr>
+              <a:t>The Metropolis Monte Carlo Recipe</a:t>
+            </a:r>
+            <a:endParaRPr lang="en-US" dirty="0">
+              <a:latin typeface="FreightMicro Pro Book" panose="02000603020000020004" pitchFamily="2" charset="0"/>
+            </a:endParaRPr>
+          </a:p>
+        </p:txBody>
+      </p:sp>
+      <p:pic>
+        <p:nvPicPr>
+          <p:cNvPr id="12" name="Picture 11">
+            <a:extLst>
+              <a:ext uri="{FF2B5EF4-FFF2-40B4-BE49-F238E27FC236}">
+                <a16:creationId xmlns:a16="http://schemas.microsoft.com/office/drawing/2014/main" id="{34255E73-8299-CF42-91EE-0E0C809B31A0}"/>
+              </a:ext>
+            </a:extLst>
+          </p:cNvPr>
+          <p:cNvPicPr>
+            <a:picLocks noChangeAspect="1"/>
+          </p:cNvPicPr>
+          <p:nvPr/>
+        </p:nvPicPr>
+        <p:blipFill>
+          <a:blip r:embed="rId3"/>
+          <a:srcRect/>
+          <a:stretch/>
+        </p:blipFill>
+        <p:spPr>
+          <a:xfrm>
+            <a:off x="861270" y="1614997"/>
+            <a:ext cx="4007292" cy="4007292"/>
+          </a:xfrm>
+          <a:prstGeom prst="rect">
+            <a:avLst/>
+          </a:prstGeom>
+        </p:spPr>
+      </p:pic>
+      <p:sp>
+        <p:nvSpPr>
+          <p:cNvPr id="13" name="Rectangle 12">
+            <a:extLst>
+              <a:ext uri="{FF2B5EF4-FFF2-40B4-BE49-F238E27FC236}">
+                <a16:creationId xmlns:a16="http://schemas.microsoft.com/office/drawing/2014/main" id="{D3EA262F-EEE3-CE45-8E39-D790BF41921D}"/>
+              </a:ext>
+            </a:extLst>
+          </p:cNvPr>
+          <p:cNvSpPr/>
+          <p:nvPr/>
+        </p:nvSpPr>
+        <p:spPr>
+          <a:xfrm>
+            <a:off x="4868562" y="2793303"/>
+            <a:ext cx="3604251" cy="1815882"/>
+          </a:xfrm>
+          <a:prstGeom prst="rect">
+            <a:avLst/>
+          </a:prstGeom>
+        </p:spPr>
+        <p:txBody>
+          <a:bodyPr wrap="square">
+            <a:spAutoFit/>
+          </a:bodyPr>
+          <a:lstStyle/>
+          <a:p>
+            <a:pPr algn="ctr"/>
+            <a:r>
+              <a:rPr lang="en-US" sz="2800" dirty="0">
+                <a:latin typeface="FreightSans Pro Book" panose="02000606030000020004" pitchFamily="2" charset="0"/>
+              </a:rPr>
+              <a:t>Accept or reject new state according to the  Metropolis criterion</a:t>
+            </a:r>
+          </a:p>
+        </p:txBody>
+      </p:sp>
+    </p:spTree>
+    <p:extLst>
+      <p:ext uri="{BB962C8B-B14F-4D97-AF65-F5344CB8AC3E}">
+        <p14:creationId xmlns:p14="http://schemas.microsoft.com/office/powerpoint/2010/main" val="3676697283"/>
+      </p:ext>
+    </p:extLst>
+  </p:cSld>
+  <p:clrMapOvr>
+    <a:masterClrMapping/>
+  </p:clrMapOvr>
+</p:sld>
+</file>
+
+<file path=ppt/slides/slide11.xml><?xml version="1.0" encoding="utf-8"?>
+<p:sld xmlns:a="http://schemas.openxmlformats.org/drawingml/2006/main" xmlns:r="http://schemas.openxmlformats.org/officeDocument/2006/relationships" xmlns:p="http://schemas.openxmlformats.org/presentationml/2006/main">
+  <p:cSld>
+    <p:spTree>
+      <p:nvGrpSpPr>
+        <p:cNvPr id="1" name=""/>
+        <p:cNvGrpSpPr/>
+        <p:nvPr/>
+      </p:nvGrpSpPr>
+      <p:grpSpPr>
+        <a:xfrm>
+          <a:off x="0" y="0"/>
+          <a:ext cx="0" cy="0"/>
+          <a:chOff x="0" y="0"/>
+          <a:chExt cx="0" cy="0"/>
+        </a:xfrm>
+      </p:grpSpPr>
       <p:sp>
         <p:nvSpPr>
           <p:cNvPr id="5" name="TextBox 4">
@@ -5260,7 +5482,7 @@
         </p:spPr>
         <p:txBody>
           <a:bodyPr vert="horz" lIns="91440" tIns="45720" rIns="91440" bIns="45720" rtlCol="0" anchor="b">
-            <a:normAutofit fontScale="92500"/>
+            <a:normAutofit/>
           </a:bodyPr>
           <a:lstStyle>
             <a:lvl1pPr algn="ctr" defTabSz="457200" rtl="0" eaLnBrk="1" latinLnBrk="0" hangingPunct="1">
@@ -5291,8 +5513,8 @@
           </a:p>
         </p:txBody>
       </p:sp>
-      <mc:AlternateContent xmlns:mc="http://schemas.openxmlformats.org/markup-compatibility/2006">
-        <mc:Choice xmlns:a14="http://schemas.microsoft.com/office/drawing/2010/main" Requires="a14">
+      <mc:AlternateContent xmlns:mc="http://schemas.openxmlformats.org/markup-compatibility/2006" xmlns:a14="http://schemas.microsoft.com/office/drawing/2010/main">
+        <mc:Choice Requires="a14">
           <p:sp>
             <p:nvSpPr>
               <p:cNvPr id="7" name="Rectangle 6">
@@ -5553,7 +5775,7 @@
             </p:txBody>
           </p:sp>
         </mc:Choice>
-        <mc:Fallback>
+        <mc:Fallback xmlns="">
           <p:sp>
             <p:nvSpPr>
               <p:cNvPr id="7" name="Rectangle 6">
@@ -5611,7 +5833,7 @@
 </p:sld>
 </file>
 
-<file path=ppt/slides/slide11.xml><?xml version="1.0" encoding="utf-8"?>
+<file path=ppt/slides/slide12.xml><?xml version="1.0" encoding="utf-8"?>
 <p:sld xmlns:a="http://schemas.openxmlformats.org/drawingml/2006/main" xmlns:r="http://schemas.openxmlformats.org/officeDocument/2006/relationships" xmlns:p="http://schemas.openxmlformats.org/presentationml/2006/main">
   <p:cSld>
     <p:spTree>
@@ -6872,6 +7094,151 @@
       </p:grpSpPr>
       <p:sp>
         <p:nvSpPr>
+          <p:cNvPr id="4" name="Title 3">
+            <a:extLst>
+              <a:ext uri="{FF2B5EF4-FFF2-40B4-BE49-F238E27FC236}">
+                <a16:creationId xmlns:a16="http://schemas.microsoft.com/office/drawing/2014/main" id="{DB436EE6-78E7-764A-9170-0753F8B39174}"/>
+              </a:ext>
+            </a:extLst>
+          </p:cNvPr>
+          <p:cNvSpPr>
+            <a:spLocks noGrp="1"/>
+          </p:cNvSpPr>
+          <p:nvPr>
+            <p:ph type="title"/>
+          </p:nvPr>
+        </p:nvSpPr>
+        <p:spPr>
+          <a:xfrm>
+            <a:off x="647700" y="571500"/>
+            <a:ext cx="10354733" cy="1150353"/>
+          </a:xfrm>
+        </p:spPr>
+        <p:txBody>
+          <a:bodyPr/>
+          <a:lstStyle/>
+          <a:p>
+            <a:r>
+              <a:rPr lang="en-US" dirty="0"/>
+              <a:t>Statistical Mechanics</a:t>
+            </a:r>
+          </a:p>
+        </p:txBody>
+      </p:sp>
+      <p:sp>
+        <p:nvSpPr>
+          <p:cNvPr id="5" name="Content Placeholder 4">
+            <a:extLst>
+              <a:ext uri="{FF2B5EF4-FFF2-40B4-BE49-F238E27FC236}">
+                <a16:creationId xmlns:a16="http://schemas.microsoft.com/office/drawing/2014/main" id="{239D4F8F-70EC-6649-9818-B7DBF90A2E1C}"/>
+              </a:ext>
+            </a:extLst>
+          </p:cNvPr>
+          <p:cNvSpPr>
+            <a:spLocks noGrp="1"/>
+          </p:cNvSpPr>
+          <p:nvPr>
+            <p:ph idx="1"/>
+          </p:nvPr>
+        </p:nvSpPr>
+        <p:spPr>
+          <a:xfrm>
+            <a:off x="643469" y="2518952"/>
+            <a:ext cx="10320867" cy="2617196"/>
+          </a:xfrm>
+        </p:spPr>
+        <p:txBody>
+          <a:bodyPr>
+            <a:normAutofit/>
+          </a:bodyPr>
+          <a:lstStyle/>
+          <a:p>
+            <a:pPr marL="0" indent="0">
+              <a:buNone/>
+            </a:pPr>
+            <a:r>
+              <a:rPr lang="en-US" sz="2800" b="0" i="0" dirty="0">
+                <a:solidFill>
+                  <a:srgbClr val="374151"/>
+                </a:solidFill>
+                <a:effectLst/>
+                <a:latin typeface="Lucida Grande Regular" panose="020B0600040502020204"/>
+              </a:rPr>
+              <a:t>In other words…</a:t>
+            </a:r>
+          </a:p>
+          <a:p>
+            <a:pPr marL="0" indent="0">
+              <a:buNone/>
+            </a:pPr>
+            <a:endParaRPr lang="en-US" sz="2800" dirty="0">
+              <a:solidFill>
+                <a:srgbClr val="374151"/>
+              </a:solidFill>
+              <a:latin typeface="Lucida Grande Regular" panose="020B0600040502020204"/>
+            </a:endParaRPr>
+          </a:p>
+          <a:p>
+            <a:pPr marL="0" indent="0">
+              <a:buNone/>
+            </a:pPr>
+            <a:r>
+              <a:rPr lang="en-US" sz="2800" dirty="0">
+                <a:solidFill>
+                  <a:srgbClr val="374151"/>
+                </a:solidFill>
+                <a:latin typeface="Lucida Grande Regular" panose="020B0600040502020204"/>
+              </a:rPr>
+              <a:t>S</a:t>
+            </a:r>
+            <a:r>
+              <a:rPr lang="en-US" sz="2800" b="0" i="0" dirty="0">
+                <a:solidFill>
+                  <a:srgbClr val="374151"/>
+                </a:solidFill>
+                <a:effectLst/>
+                <a:latin typeface="Lucida Grande Regular" panose="020B0600040502020204"/>
+              </a:rPr>
+              <a:t>tatistical mechanics allows us to predict the properties of a large system by examining and analyzing the many possible configurations, or microstates, of its atoms or molecules.</a:t>
+            </a:r>
+            <a:endParaRPr lang="en-US" dirty="0">
+              <a:latin typeface="Lucida Grande Regular" panose="020B0600040502020204"/>
+            </a:endParaRPr>
+          </a:p>
+        </p:txBody>
+      </p:sp>
+    </p:spTree>
+    <p:extLst>
+      <p:ext uri="{BB962C8B-B14F-4D97-AF65-F5344CB8AC3E}">
+        <p14:creationId xmlns:p14="http://schemas.microsoft.com/office/powerpoint/2010/main" val="2618374602"/>
+      </p:ext>
+    </p:extLst>
+  </p:cSld>
+  <p:clrMapOvr>
+    <a:masterClrMapping/>
+  </p:clrMapOvr>
+</p:sld>
+</file>
+
+<file path=ppt/slides/slide4.xml><?xml version="1.0" encoding="utf-8"?>
+<p:sld xmlns:a="http://schemas.openxmlformats.org/drawingml/2006/main" xmlns:r="http://schemas.openxmlformats.org/officeDocument/2006/relationships" xmlns:p="http://schemas.openxmlformats.org/presentationml/2006/main">
+  <p:cSld>
+    <p:spTree>
+      <p:nvGrpSpPr>
+        <p:cNvPr id="1" name=""/>
+        <p:cNvGrpSpPr/>
+        <p:nvPr/>
+      </p:nvGrpSpPr>
+      <p:grpSpPr>
+        <a:xfrm>
+          <a:off x="0" y="0"/>
+          <a:ext cx="0" cy="0"/>
+          <a:chOff x="0" y="0"/>
+          <a:chExt cx="0" cy="0"/>
+        </a:xfrm>
+      </p:grpSpPr>
+      <p:sp>
+        <p:nvSpPr>
           <p:cNvPr id="16" name="TextBox 15">
             <a:extLst>
               <a:ext uri="{FF2B5EF4-FFF2-40B4-BE49-F238E27FC236}">
@@ -7293,8 +7660,8 @@
           </p:sp>
         </mc:Fallback>
       </mc:AlternateContent>
-      <mc:AlternateContent xmlns:mc="http://schemas.openxmlformats.org/markup-compatibility/2006" xmlns:a14="http://schemas.microsoft.com/office/drawing/2010/main">
-        <mc:Choice Requires="a14">
+      <mc:AlternateContent xmlns:mc="http://schemas.openxmlformats.org/markup-compatibility/2006">
+        <mc:Choice xmlns:a14="http://schemas.microsoft.com/office/drawing/2010/main" Requires="a14">
           <p:sp>
             <p:nvSpPr>
               <p:cNvPr id="19" name="TextBox 18">
@@ -7480,7 +7847,19 @@
                   <a:rPr lang="en-US" sz="2000" dirty="0">
                     <a:latin typeface="FreightSans Pro Book" panose="02000606030000020004" pitchFamily="2" charset="0"/>
                   </a:rPr>
-                  <a:t>average value of quantity Q (square brackets denote average) </a:t>
+                  <a:t>average value of quantity </a:t>
+                </a:r>
+                <a:r>
+                  <a:rPr lang="en-US" sz="2000">
+                    <a:latin typeface="FreightSans Pro Book" panose="02000606030000020004" pitchFamily="2" charset="0"/>
+                  </a:rPr>
+                  <a:t>Q (brackets </a:t>
+                </a:r>
+                <a:r>
+                  <a:rPr lang="en-US" sz="2000" dirty="0">
+                    <a:latin typeface="FreightSans Pro Book" panose="02000606030000020004" pitchFamily="2" charset="0"/>
+                  </a:rPr>
+                  <a:t>denote average) </a:t>
                 </a:r>
               </a:p>
               <a:p>
@@ -7639,7 +8018,7 @@
             </p:txBody>
           </p:sp>
         </mc:Choice>
-        <mc:Fallback xmlns="">
+        <mc:Fallback>
           <p:sp>
             <p:nvSpPr>
               <p:cNvPr id="19" name="TextBox 18">
@@ -7665,7 +8044,7 @@
               <a:blipFill>
                 <a:blip r:embed="rId4"/>
                 <a:stretch>
-                  <a:fillRect l="-114" t="-1478"/>
+                  <a:fillRect l="-165" t="-1425"/>
                 </a:stretch>
               </a:blipFill>
             </p:spPr>
@@ -7738,7 +8117,7 @@
 </p:sld>
 </file>
 
-<file path=ppt/slides/slide4.xml><?xml version="1.0" encoding="utf-8"?>
+<file path=ppt/slides/slide5.xml><?xml version="1.0" encoding="utf-8"?>
 <p:sld xmlns:a="http://schemas.openxmlformats.org/drawingml/2006/main" xmlns:r="http://schemas.openxmlformats.org/officeDocument/2006/relationships" xmlns:p="http://schemas.openxmlformats.org/presentationml/2006/main">
   <p:cSld>
     <p:spTree>
@@ -7847,8 +8226,8 @@
           </a:p>
         </p:txBody>
       </p:sp>
-      <mc:AlternateContent xmlns:mc="http://schemas.openxmlformats.org/markup-compatibility/2006">
-        <mc:Choice xmlns:a14="http://schemas.microsoft.com/office/drawing/2010/main" Requires="a14">
+      <mc:AlternateContent xmlns:mc="http://schemas.openxmlformats.org/markup-compatibility/2006" xmlns:a14="http://schemas.microsoft.com/office/drawing/2010/main">
+        <mc:Choice Requires="a14">
           <p:sp>
             <p:nvSpPr>
               <p:cNvPr id="12" name="TextBox 11">
@@ -8165,7 +8544,7 @@
             </p:txBody>
           </p:sp>
         </mc:Choice>
-        <mc:Fallback>
+        <mc:Fallback xmlns="">
           <p:sp>
             <p:nvSpPr>
               <p:cNvPr id="12" name="TextBox 11">
@@ -8411,7 +8790,7 @@
 </p:sld>
 </file>
 
-<file path=ppt/slides/slide5.xml><?xml version="1.0" encoding="utf-8"?>
+<file path=ppt/slides/slide6.xml><?xml version="1.0" encoding="utf-8"?>
 <p:sld xmlns:a="http://schemas.openxmlformats.org/drawingml/2006/main" xmlns:r="http://schemas.openxmlformats.org/officeDocument/2006/relationships" xmlns:p="http://schemas.openxmlformats.org/presentationml/2006/main">
   <p:cSld>
     <p:spTree>
@@ -8521,8 +8900,8 @@
           </a:p>
         </p:txBody>
       </p:sp>
-      <mc:AlternateContent xmlns:mc="http://schemas.openxmlformats.org/markup-compatibility/2006">
-        <mc:Choice xmlns:a14="http://schemas.microsoft.com/office/drawing/2010/main" Requires="a14">
+      <mc:AlternateContent xmlns:mc="http://schemas.openxmlformats.org/markup-compatibility/2006" xmlns:a14="http://schemas.microsoft.com/office/drawing/2010/main">
+        <mc:Choice Requires="a14">
           <p:sp>
             <p:nvSpPr>
               <p:cNvPr id="13" name="TextBox 12">
@@ -8888,7 +9267,7 @@
             </p:txBody>
           </p:sp>
         </mc:Choice>
-        <mc:Fallback>
+        <mc:Fallback xmlns="">
           <p:sp>
             <p:nvSpPr>
               <p:cNvPr id="13" name="TextBox 12">
@@ -8946,7 +9325,7 @@
 </p:sld>
 </file>
 
-<file path=ppt/slides/slide6.xml><?xml version="1.0" encoding="utf-8"?>
+<file path=ppt/slides/slide7.xml><?xml version="1.0" encoding="utf-8"?>
 <p:sld xmlns:a="http://schemas.openxmlformats.org/drawingml/2006/main" xmlns:r="http://schemas.openxmlformats.org/officeDocument/2006/relationships" xmlns:p="http://schemas.openxmlformats.org/presentationml/2006/main">
   <p:cSld>
     <p:spTree>
@@ -9197,7 +9576,7 @@
 </p:sld>
 </file>
 
-<file path=ppt/slides/slide7.xml><?xml version="1.0" encoding="utf-8"?>
+<file path=ppt/slides/slide8.xml><?xml version="1.0" encoding="utf-8"?>
 <p:sld xmlns:a="http://schemas.openxmlformats.org/drawingml/2006/main" xmlns:r="http://schemas.openxmlformats.org/officeDocument/2006/relationships" xmlns:p="http://schemas.openxmlformats.org/presentationml/2006/main">
   <p:cSld>
     <p:spTree>
@@ -9388,7 +9767,7 @@
 </p:sld>
 </file>
 
-<file path=ppt/slides/slide8.xml><?xml version="1.0" encoding="utf-8"?>
+<file path=ppt/slides/slide9.xml><?xml version="1.0" encoding="utf-8"?>
 <p:sld xmlns:a="http://schemas.openxmlformats.org/drawingml/2006/main" xmlns:r="http://schemas.openxmlformats.org/officeDocument/2006/relationships" xmlns:p="http://schemas.openxmlformats.org/presentationml/2006/main">
   <p:cSld>
     <p:spTree>
@@ -9604,227 +9983,6 @@
     <p:extLst>
       <p:ext uri="{BB962C8B-B14F-4D97-AF65-F5344CB8AC3E}">
         <p14:creationId xmlns:p14="http://schemas.microsoft.com/office/powerpoint/2010/main" val="3500449878"/>
-      </p:ext>
-    </p:extLst>
-  </p:cSld>
-  <p:clrMapOvr>
-    <a:masterClrMapping/>
-  </p:clrMapOvr>
-</p:sld>
-</file>
-
-<file path=ppt/slides/slide9.xml><?xml version="1.0" encoding="utf-8"?>
-<p:sld xmlns:a="http://schemas.openxmlformats.org/drawingml/2006/main" xmlns:r="http://schemas.openxmlformats.org/officeDocument/2006/relationships" xmlns:p="http://schemas.openxmlformats.org/presentationml/2006/main">
-  <p:cSld>
-    <p:spTree>
-      <p:nvGrpSpPr>
-        <p:cNvPr id="1" name=""/>
-        <p:cNvGrpSpPr/>
-        <p:nvPr/>
-      </p:nvGrpSpPr>
-      <p:grpSpPr>
-        <a:xfrm>
-          <a:off x="0" y="0"/>
-          <a:ext cx="0" cy="0"/>
-          <a:chOff x="0" y="0"/>
-          <a:chExt cx="0" cy="0"/>
-        </a:xfrm>
-      </p:grpSpPr>
-      <p:pic>
-        <p:nvPicPr>
-          <p:cNvPr id="9" name="Picture 8" descr="A close up of a logo&#10;&#10;Description automatically generated">
-            <a:extLst>
-              <a:ext uri="{FF2B5EF4-FFF2-40B4-BE49-F238E27FC236}">
-                <a16:creationId xmlns:a16="http://schemas.microsoft.com/office/drawing/2014/main" id="{025ED95E-0E88-2A48-BB15-219E023EAE09}"/>
-              </a:ext>
-            </a:extLst>
-          </p:cNvPr>
-          <p:cNvPicPr>
-            <a:picLocks noChangeAspect="1"/>
-          </p:cNvPicPr>
-          <p:nvPr/>
-        </p:nvPicPr>
-        <p:blipFill>
-          <a:blip r:embed="rId2"/>
-          <a:stretch>
-            <a:fillRect/>
-          </a:stretch>
-        </p:blipFill>
-        <p:spPr>
-          <a:xfrm>
-            <a:off x="8318020" y="5504937"/>
-            <a:ext cx="561913" cy="584135"/>
-          </a:xfrm>
-          <a:prstGeom prst="rect">
-            <a:avLst/>
-          </a:prstGeom>
-        </p:spPr>
-      </p:pic>
-      <p:sp>
-        <p:nvSpPr>
-          <p:cNvPr id="10" name="TextBox 9">
-            <a:extLst>
-              <a:ext uri="{FF2B5EF4-FFF2-40B4-BE49-F238E27FC236}">
-                <a16:creationId xmlns:a16="http://schemas.microsoft.com/office/drawing/2014/main" id="{1DB2E445-BEBF-FD4B-BF18-CF16286CB85E}"/>
-              </a:ext>
-            </a:extLst>
-          </p:cNvPr>
-          <p:cNvSpPr txBox="1"/>
-          <p:nvPr/>
-        </p:nvSpPr>
-        <p:spPr>
-          <a:xfrm>
-            <a:off x="735107" y="1133869"/>
-            <a:ext cx="8009500" cy="646331"/>
-          </a:xfrm>
-          <a:prstGeom prst="rect">
-            <a:avLst/>
-          </a:prstGeom>
-          <a:noFill/>
-        </p:spPr>
-        <p:txBody>
-          <a:bodyPr wrap="square" rtlCol="0">
-            <a:spAutoFit/>
-          </a:bodyPr>
-          <a:lstStyle/>
-          <a:p>
-            <a:endParaRPr lang="en-US" dirty="0"/>
-          </a:p>
-          <a:p>
-            <a:pPr marL="285750" indent="-285750">
-              <a:buFont typeface="Arial" panose="020B0604020202020204" pitchFamily="34" charset="0"/>
-              <a:buChar char="•"/>
-            </a:pPr>
-            <a:endParaRPr lang="en-US" dirty="0"/>
-          </a:p>
-        </p:txBody>
-      </p:sp>
-      <p:sp>
-        <p:nvSpPr>
-          <p:cNvPr id="11" name="Title 2">
-            <a:extLst>
-              <a:ext uri="{FF2B5EF4-FFF2-40B4-BE49-F238E27FC236}">
-                <a16:creationId xmlns:a16="http://schemas.microsoft.com/office/drawing/2014/main" id="{1BE8B013-4575-4B4E-B220-46978F53751B}"/>
-              </a:ext>
-            </a:extLst>
-          </p:cNvPr>
-          <p:cNvSpPr txBox="1">
-            <a:spLocks/>
-          </p:cNvSpPr>
-          <p:nvPr/>
-        </p:nvSpPr>
-        <p:spPr>
-          <a:xfrm>
-            <a:off x="457172" y="273422"/>
-            <a:ext cx="8228763" cy="1144631"/>
-          </a:xfrm>
-          <a:prstGeom prst="rect">
-            <a:avLst/>
-          </a:prstGeom>
-        </p:spPr>
-        <p:txBody>
-          <a:bodyPr vert="horz" lIns="91440" tIns="45720" rIns="91440" bIns="45720" rtlCol="0" anchor="b">
-            <a:normAutofit fontScale="67500" lnSpcReduction="20000"/>
-          </a:bodyPr>
-          <a:lstStyle>
-            <a:lvl1pPr algn="ctr" defTabSz="457200" rtl="0" eaLnBrk="1" latinLnBrk="0" hangingPunct="1">
-              <a:spcBef>
-                <a:spcPct val="0"/>
-              </a:spcBef>
-              <a:buNone/>
-              <a:defRPr sz="6000" b="0" i="0" kern="1200">
-                <a:solidFill>
-                  <a:srgbClr val="C28220"/>
-                </a:solidFill>
-                <a:latin typeface="Lucida Grande Regular" panose="020B0600040502020204" pitchFamily="34" charset="0"/>
-                <a:ea typeface="+mj-ea"/>
-                <a:cs typeface="Lucida Grande Regular" panose="020B0600040502020204" pitchFamily="34" charset="0"/>
-              </a:defRPr>
-            </a:lvl1pPr>
-          </a:lstStyle>
-          <a:p>
-            <a:r>
-              <a:rPr lang="en-US">
-                <a:latin typeface="FreightMicro Pro Book" panose="02000603020000020004" pitchFamily="2" charset="0"/>
-              </a:rPr>
-              <a:t>The Metropolis Monte Carlo Recipe</a:t>
-            </a:r>
-            <a:endParaRPr lang="en-US" dirty="0">
-              <a:latin typeface="FreightMicro Pro Book" panose="02000603020000020004" pitchFamily="2" charset="0"/>
-            </a:endParaRPr>
-          </a:p>
-        </p:txBody>
-      </p:sp>
-      <p:pic>
-        <p:nvPicPr>
-          <p:cNvPr id="12" name="Picture 11">
-            <a:extLst>
-              <a:ext uri="{FF2B5EF4-FFF2-40B4-BE49-F238E27FC236}">
-                <a16:creationId xmlns:a16="http://schemas.microsoft.com/office/drawing/2014/main" id="{34255E73-8299-CF42-91EE-0E0C809B31A0}"/>
-              </a:ext>
-            </a:extLst>
-          </p:cNvPr>
-          <p:cNvPicPr>
-            <a:picLocks noChangeAspect="1"/>
-          </p:cNvPicPr>
-          <p:nvPr/>
-        </p:nvPicPr>
-        <p:blipFill>
-          <a:blip r:embed="rId3"/>
-          <a:srcRect/>
-          <a:stretch/>
-        </p:blipFill>
-        <p:spPr>
-          <a:xfrm>
-            <a:off x="861270" y="1614997"/>
-            <a:ext cx="4007292" cy="4007292"/>
-          </a:xfrm>
-          <a:prstGeom prst="rect">
-            <a:avLst/>
-          </a:prstGeom>
-        </p:spPr>
-      </p:pic>
-      <p:sp>
-        <p:nvSpPr>
-          <p:cNvPr id="13" name="Rectangle 12">
-            <a:extLst>
-              <a:ext uri="{FF2B5EF4-FFF2-40B4-BE49-F238E27FC236}">
-                <a16:creationId xmlns:a16="http://schemas.microsoft.com/office/drawing/2014/main" id="{D3EA262F-EEE3-CE45-8E39-D790BF41921D}"/>
-              </a:ext>
-            </a:extLst>
-          </p:cNvPr>
-          <p:cNvSpPr/>
-          <p:nvPr/>
-        </p:nvSpPr>
-        <p:spPr>
-          <a:xfrm>
-            <a:off x="4868562" y="2793303"/>
-            <a:ext cx="3604251" cy="1815882"/>
-          </a:xfrm>
-          <a:prstGeom prst="rect">
-            <a:avLst/>
-          </a:prstGeom>
-        </p:spPr>
-        <p:txBody>
-          <a:bodyPr wrap="square">
-            <a:spAutoFit/>
-          </a:bodyPr>
-          <a:lstStyle/>
-          <a:p>
-            <a:pPr algn="ctr"/>
-            <a:r>
-              <a:rPr lang="en-US" sz="2800" dirty="0">
-                <a:latin typeface="FreightSans Pro Book" panose="02000606030000020004" pitchFamily="2" charset="0"/>
-              </a:rPr>
-              <a:t>Accept or reject new state according to the  Metropolis criterion</a:t>
-            </a:r>
-          </a:p>
-        </p:txBody>
-      </p:sp>
-    </p:spTree>
-    <p:extLst>
-      <p:ext uri="{BB962C8B-B14F-4D97-AF65-F5344CB8AC3E}">
-        <p14:creationId xmlns:p14="http://schemas.microsoft.com/office/powerpoint/2010/main" val="3676697283"/>
       </p:ext>
     </p:extLst>
   </p:cSld>
